--- a/08 Prediction of Mortgage Loan Default.pptx
+++ b/08 Prediction of Mortgage Loan Default.pptx
@@ -2202,7 +2202,7 @@
   <p:cSld>
     <p:spTree>
       <p:nvGrpSpPr>
-        <p:cNvPr id="244" name="Shape 244"/>
+        <p:cNvPr id="245" name="Shape 245"/>
         <p:cNvGrpSpPr/>
         <p:nvPr/>
       </p:nvGrpSpPr>
@@ -2216,7 +2216,7 @@
       </p:grpSpPr>
       <p:sp>
         <p:nvSpPr>
-          <p:cNvPr id="245" name="Google Shape;245;g6cbd9eafc0_0_638:notes"/>
+          <p:cNvPr id="246" name="Google Shape;246;g6cbd9eafc0_0_638:notes"/>
           <p:cNvSpPr/>
           <p:nvPr>
             <p:ph idx="2" type="sldImg"/>
@@ -2251,7 +2251,7 @@
       </p:sp>
       <p:sp>
         <p:nvSpPr>
-          <p:cNvPr id="246" name="Google Shape;246;g6cbd9eafc0_0_638:notes"/>
+          <p:cNvPr id="247" name="Google Shape;247;g6cbd9eafc0_0_638:notes"/>
           <p:cNvSpPr txBox="1"/>
           <p:nvPr>
             <p:ph idx="1" type="body"/>
@@ -2301,7 +2301,7 @@
   <p:cSld>
     <p:spTree>
       <p:nvGrpSpPr>
-        <p:cNvPr id="252" name="Shape 252"/>
+        <p:cNvPr id="254" name="Shape 254"/>
         <p:cNvGrpSpPr/>
         <p:nvPr/>
       </p:nvGrpSpPr>
@@ -2315,7 +2315,7 @@
       </p:grpSpPr>
       <p:sp>
         <p:nvSpPr>
-          <p:cNvPr id="253" name="Google Shape;253;g6cbd9eafc0_0_631:notes"/>
+          <p:cNvPr id="255" name="Google Shape;255;g6cbd9eafc0_0_631:notes"/>
           <p:cNvSpPr/>
           <p:nvPr>
             <p:ph idx="2" type="sldImg"/>
@@ -2350,7 +2350,7 @@
       </p:sp>
       <p:sp>
         <p:nvSpPr>
-          <p:cNvPr id="254" name="Google Shape;254;g6cbd9eafc0_0_631:notes"/>
+          <p:cNvPr id="256" name="Google Shape;256;g6cbd9eafc0_0_631:notes"/>
           <p:cNvSpPr txBox="1"/>
           <p:nvPr>
             <p:ph idx="1" type="body"/>
@@ -2400,7 +2400,7 @@
   <p:cSld>
     <p:spTree>
       <p:nvGrpSpPr>
-        <p:cNvPr id="258" name="Shape 258"/>
+        <p:cNvPr id="260" name="Shape 260"/>
         <p:cNvGrpSpPr/>
         <p:nvPr/>
       </p:nvGrpSpPr>
@@ -2414,7 +2414,7 @@
       </p:grpSpPr>
       <p:sp>
         <p:nvSpPr>
-          <p:cNvPr id="259" name="Google Shape;259;g6cbd9eafc0_0_1083:notes"/>
+          <p:cNvPr id="261" name="Google Shape;261;g6cbd9eafc0_0_1083:notes"/>
           <p:cNvSpPr/>
           <p:nvPr>
             <p:ph idx="2" type="sldImg"/>
@@ -2449,7 +2449,7 @@
       </p:sp>
       <p:sp>
         <p:nvSpPr>
-          <p:cNvPr id="260" name="Google Shape;260;g6cbd9eafc0_0_1083:notes"/>
+          <p:cNvPr id="262" name="Google Shape;262;g6cbd9eafc0_0_1083:notes"/>
           <p:cNvSpPr txBox="1"/>
           <p:nvPr>
             <p:ph idx="1" type="body"/>
@@ -2499,7 +2499,7 @@
   <p:cSld>
     <p:spTree>
       <p:nvGrpSpPr>
-        <p:cNvPr id="266" name="Shape 266"/>
+        <p:cNvPr id="268" name="Shape 268"/>
         <p:cNvGrpSpPr/>
         <p:nvPr/>
       </p:nvGrpSpPr>
@@ -2513,7 +2513,7 @@
       </p:grpSpPr>
       <p:sp>
         <p:nvSpPr>
-          <p:cNvPr id="267" name="Google Shape;267;g6cbd9eafc0_0_1089:notes"/>
+          <p:cNvPr id="269" name="Google Shape;269;g6cbd9eafc0_0_1089:notes"/>
           <p:cNvSpPr/>
           <p:nvPr>
             <p:ph idx="2" type="sldImg"/>
@@ -2548,7 +2548,7 @@
       </p:sp>
       <p:sp>
         <p:nvSpPr>
-          <p:cNvPr id="268" name="Google Shape;268;g6cbd9eafc0_0_1089:notes"/>
+          <p:cNvPr id="270" name="Google Shape;270;g6cbd9eafc0_0_1089:notes"/>
           <p:cNvSpPr txBox="1"/>
           <p:nvPr>
             <p:ph idx="1" type="body"/>
@@ -2598,7 +2598,7 @@
   <p:cSld>
     <p:spTree>
       <p:nvGrpSpPr>
-        <p:cNvPr id="273" name="Shape 273"/>
+        <p:cNvPr id="275" name="Shape 275"/>
         <p:cNvGrpSpPr/>
         <p:nvPr/>
       </p:nvGrpSpPr>
@@ -2612,7 +2612,7 @@
       </p:grpSpPr>
       <p:sp>
         <p:nvSpPr>
-          <p:cNvPr id="274" name="Google Shape;274;g6cbd9eafc0_0_1098:notes"/>
+          <p:cNvPr id="276" name="Google Shape;276;g6cbd9eafc0_0_1098:notes"/>
           <p:cNvSpPr/>
           <p:nvPr>
             <p:ph idx="2" type="sldImg"/>
@@ -2647,7 +2647,7 @@
       </p:sp>
       <p:sp>
         <p:nvSpPr>
-          <p:cNvPr id="275" name="Google Shape;275;g6cbd9eafc0_0_1098:notes"/>
+          <p:cNvPr id="277" name="Google Shape;277;g6cbd9eafc0_0_1098:notes"/>
           <p:cNvSpPr txBox="1"/>
           <p:nvPr>
             <p:ph idx="1" type="body"/>
@@ -13517,8 +13517,8 @@
         </p:nvGrpSpPr>
         <p:grpSpPr>
           <a:xfrm>
-            <a:off x="1249100" y="1954250"/>
-            <a:ext cx="5493463" cy="3367450"/>
+            <a:off x="1249116" y="1878086"/>
+            <a:ext cx="5339096" cy="3189312"/>
             <a:chOff x="1249100" y="1954250"/>
             <a:chExt cx="5493463" cy="3367450"/>
           </a:xfrm>
@@ -13972,81 +13972,96 @@
           </a:p>
         </p:txBody>
       </p:sp>
-      <p:pic>
-        <p:nvPicPr>
+      <p:grpSp>
+        <p:nvGrpSpPr>
           <p:cNvPr id="242" name="Google Shape;242;p34"/>
-          <p:cNvPicPr preferRelativeResize="0"/>
+          <p:cNvGrpSpPr/>
           <p:nvPr/>
-        </p:nvPicPr>
-        <p:blipFill>
-          <a:blip r:embed="rId4">
-            <a:alphaModFix/>
-          </a:blip>
-          <a:stretch>
-            <a:fillRect/>
-          </a:stretch>
-        </p:blipFill>
-        <p:spPr>
+        </p:nvGrpSpPr>
+        <p:grpSpPr>
           <a:xfrm>
-            <a:off x="1211450" y="2023200"/>
+            <a:off x="1211450" y="1947000"/>
             <a:ext cx="6454450" cy="3120300"/>
-          </a:xfrm>
-          <a:prstGeom prst="rect">
-            <a:avLst/>
-          </a:prstGeom>
-          <a:noFill/>
-          <a:ln>
+            <a:chOff x="1211450" y="1947000"/>
+            <a:chExt cx="6454450" cy="3120300"/>
+          </a:xfrm>
+        </p:grpSpPr>
+        <p:pic>
+          <p:nvPicPr>
+            <p:cNvPr id="243" name="Google Shape;243;p34"/>
+            <p:cNvPicPr preferRelativeResize="0"/>
+            <p:nvPr/>
+          </p:nvPicPr>
+          <p:blipFill>
+            <a:blip r:embed="rId4">
+              <a:alphaModFix/>
+            </a:blip>
+            <a:stretch>
+              <a:fillRect/>
+            </a:stretch>
+          </p:blipFill>
+          <p:spPr>
+            <a:xfrm>
+              <a:off x="1211450" y="1947000"/>
+              <a:ext cx="6454450" cy="3120300"/>
+            </a:xfrm>
+            <a:prstGeom prst="rect">
+              <a:avLst/>
+            </a:prstGeom>
             <a:noFill/>
-          </a:ln>
-        </p:spPr>
-      </p:pic>
-      <p:sp>
-        <p:nvSpPr>
-          <p:cNvPr id="243" name="Google Shape;243;p34"/>
-          <p:cNvSpPr/>
-          <p:nvPr/>
-        </p:nvSpPr>
-        <p:spPr>
-          <a:xfrm>
-            <a:off x="4032000" y="4481875"/>
-            <a:ext cx="540000" cy="338700"/>
-          </a:xfrm>
-          <a:prstGeom prst="ellipse">
-            <a:avLst/>
-          </a:prstGeom>
-          <a:noFill/>
-          <a:ln cap="flat" cmpd="sng" w="9525">
-            <a:solidFill>
-              <a:srgbClr val="FF0000"/>
-            </a:solidFill>
-            <a:prstDash val="solid"/>
-            <a:round/>
-            <a:headEnd len="sm" w="sm" type="none"/>
-            <a:tailEnd len="sm" w="sm" type="none"/>
-          </a:ln>
-        </p:spPr>
-        <p:txBody>
-          <a:bodyPr anchorCtr="0" anchor="ctr" bIns="91425" lIns="91425" spcFirstLastPara="1" rIns="91425" wrap="square" tIns="91425">
-            <a:noAutofit/>
-          </a:bodyPr>
-          <a:lstStyle/>
-          <a:p>
-            <a:pPr indent="0" lvl="0" marL="0" rtl="0" algn="l">
-              <a:spcBef>
-                <a:spcPts val="0"/>
-              </a:spcBef>
-              <a:spcAft>
-                <a:spcPts val="0"/>
-              </a:spcAft>
-              <a:buNone/>
-            </a:pPr>
-            <a:r>
-              <a:t/>
-            </a:r>
-            <a:endParaRPr/>
-          </a:p>
-        </p:txBody>
-      </p:sp>
+            <a:ln>
+              <a:noFill/>
+            </a:ln>
+          </p:spPr>
+        </p:pic>
+        <p:sp>
+          <p:nvSpPr>
+            <p:cNvPr id="244" name="Google Shape;244;p34"/>
+            <p:cNvSpPr/>
+            <p:nvPr/>
+          </p:nvSpPr>
+          <p:spPr>
+            <a:xfrm>
+              <a:off x="4032000" y="4405675"/>
+              <a:ext cx="540000" cy="338700"/>
+            </a:xfrm>
+            <a:prstGeom prst="ellipse">
+              <a:avLst/>
+            </a:prstGeom>
+            <a:noFill/>
+            <a:ln cap="flat" cmpd="sng" w="9525">
+              <a:solidFill>
+                <a:srgbClr val="FF0000"/>
+              </a:solidFill>
+              <a:prstDash val="solid"/>
+              <a:round/>
+              <a:headEnd len="sm" w="sm" type="none"/>
+              <a:tailEnd len="sm" w="sm" type="none"/>
+            </a:ln>
+          </p:spPr>
+          <p:txBody>
+            <a:bodyPr anchorCtr="0" anchor="ctr" bIns="91425" lIns="91425" spcFirstLastPara="1" rIns="91425" wrap="square" tIns="91425">
+              <a:noAutofit/>
+            </a:bodyPr>
+            <a:lstStyle/>
+            <a:p>
+              <a:pPr indent="0" lvl="0" marL="0" rtl="0" algn="l">
+                <a:spcBef>
+                  <a:spcPts val="0"/>
+                </a:spcBef>
+                <a:spcAft>
+                  <a:spcPts val="0"/>
+                </a:spcAft>
+                <a:buNone/>
+              </a:pPr>
+              <a:r>
+                <a:t/>
+              </a:r>
+              <a:endParaRPr/>
+            </a:p>
+          </p:txBody>
+        </p:sp>
+      </p:grpSp>
     </p:spTree>
   </p:cSld>
   <p:clrMapOvr>
@@ -14072,7 +14087,7 @@
     </p:bg>
     <p:spTree>
       <p:nvGrpSpPr>
-        <p:cNvPr id="247" name="Shape 247"/>
+        <p:cNvPr id="248" name="Shape 248"/>
         <p:cNvGrpSpPr/>
         <p:nvPr/>
       </p:nvGrpSpPr>
@@ -14086,7 +14101,7 @@
       </p:grpSpPr>
       <p:sp>
         <p:nvSpPr>
-          <p:cNvPr id="248" name="Google Shape;248;p35"/>
+          <p:cNvPr id="249" name="Google Shape;249;p35"/>
           <p:cNvSpPr txBox="1"/>
           <p:nvPr>
             <p:ph type="title"/>
@@ -14142,7 +14157,7 @@
       </p:sp>
       <p:sp>
         <p:nvSpPr>
-          <p:cNvPr id="249" name="Google Shape;249;p35"/>
+          <p:cNvPr id="250" name="Google Shape;250;p35"/>
           <p:cNvSpPr txBox="1"/>
           <p:nvPr>
             <p:ph idx="1" type="body"/>
@@ -14211,81 +14226,96 @@
           </a:p>
         </p:txBody>
       </p:sp>
-      <p:pic>
-        <p:nvPicPr>
-          <p:cNvPr id="250" name="Google Shape;250;p35"/>
-          <p:cNvPicPr preferRelativeResize="0"/>
+      <p:grpSp>
+        <p:nvGrpSpPr>
+          <p:cNvPr id="251" name="Google Shape;251;p35"/>
+          <p:cNvGrpSpPr/>
           <p:nvPr/>
-        </p:nvPicPr>
-        <p:blipFill>
-          <a:blip r:embed="rId4">
-            <a:alphaModFix/>
-          </a:blip>
-          <a:stretch>
-            <a:fillRect/>
-          </a:stretch>
-        </p:blipFill>
-        <p:spPr>
+        </p:nvGrpSpPr>
+        <p:grpSpPr>
           <a:xfrm>
             <a:off x="1196649" y="2085700"/>
             <a:ext cx="7825800" cy="3000950"/>
-          </a:xfrm>
-          <a:prstGeom prst="rect">
-            <a:avLst/>
-          </a:prstGeom>
-          <a:noFill/>
-          <a:ln>
+            <a:chOff x="1196649" y="2085700"/>
+            <a:chExt cx="7825800" cy="3000950"/>
+          </a:xfrm>
+        </p:grpSpPr>
+        <p:pic>
+          <p:nvPicPr>
+            <p:cNvPr id="252" name="Google Shape;252;p35"/>
+            <p:cNvPicPr preferRelativeResize="0"/>
+            <p:nvPr/>
+          </p:nvPicPr>
+          <p:blipFill>
+            <a:blip r:embed="rId4">
+              <a:alphaModFix/>
+            </a:blip>
+            <a:stretch>
+              <a:fillRect/>
+            </a:stretch>
+          </p:blipFill>
+          <p:spPr>
+            <a:xfrm>
+              <a:off x="1196649" y="2085700"/>
+              <a:ext cx="7825800" cy="3000950"/>
+            </a:xfrm>
+            <a:prstGeom prst="rect">
+              <a:avLst/>
+            </a:prstGeom>
             <a:noFill/>
-          </a:ln>
-        </p:spPr>
-      </p:pic>
-      <p:sp>
-        <p:nvSpPr>
-          <p:cNvPr id="251" name="Google Shape;251;p35"/>
-          <p:cNvSpPr/>
-          <p:nvPr/>
-        </p:nvSpPr>
-        <p:spPr>
-          <a:xfrm>
-            <a:off x="4491075" y="4390413"/>
-            <a:ext cx="540000" cy="338700"/>
-          </a:xfrm>
-          <a:prstGeom prst="ellipse">
-            <a:avLst/>
-          </a:prstGeom>
-          <a:noFill/>
-          <a:ln cap="flat" cmpd="sng" w="9525">
-            <a:solidFill>
-              <a:srgbClr val="FF0000"/>
-            </a:solidFill>
-            <a:prstDash val="solid"/>
-            <a:round/>
-            <a:headEnd len="sm" w="sm" type="none"/>
-            <a:tailEnd len="sm" w="sm" type="none"/>
-          </a:ln>
-        </p:spPr>
-        <p:txBody>
-          <a:bodyPr anchorCtr="0" anchor="ctr" bIns="91425" lIns="91425" spcFirstLastPara="1" rIns="91425" wrap="square" tIns="91425">
-            <a:noAutofit/>
-          </a:bodyPr>
-          <a:lstStyle/>
-          <a:p>
-            <a:pPr indent="0" lvl="0" marL="0" rtl="0" algn="l">
-              <a:spcBef>
-                <a:spcPts val="0"/>
-              </a:spcBef>
-              <a:spcAft>
-                <a:spcPts val="0"/>
-              </a:spcAft>
-              <a:buNone/>
-            </a:pPr>
-            <a:r>
-              <a:t/>
-            </a:r>
-            <a:endParaRPr/>
-          </a:p>
-        </p:txBody>
-      </p:sp>
+            <a:ln>
+              <a:noFill/>
+            </a:ln>
+          </p:spPr>
+        </p:pic>
+        <p:sp>
+          <p:nvSpPr>
+            <p:cNvPr id="253" name="Google Shape;253;p35"/>
+            <p:cNvSpPr/>
+            <p:nvPr/>
+          </p:nvSpPr>
+          <p:spPr>
+            <a:xfrm>
+              <a:off x="4491075" y="4390413"/>
+              <a:ext cx="540000" cy="338700"/>
+            </a:xfrm>
+            <a:prstGeom prst="ellipse">
+              <a:avLst/>
+            </a:prstGeom>
+            <a:noFill/>
+            <a:ln cap="flat" cmpd="sng" w="9525">
+              <a:solidFill>
+                <a:srgbClr val="FF0000"/>
+              </a:solidFill>
+              <a:prstDash val="solid"/>
+              <a:round/>
+              <a:headEnd len="sm" w="sm" type="none"/>
+              <a:tailEnd len="sm" w="sm" type="none"/>
+            </a:ln>
+          </p:spPr>
+          <p:txBody>
+            <a:bodyPr anchorCtr="0" anchor="ctr" bIns="91425" lIns="91425" spcFirstLastPara="1" rIns="91425" wrap="square" tIns="91425">
+              <a:noAutofit/>
+            </a:bodyPr>
+            <a:lstStyle/>
+            <a:p>
+              <a:pPr indent="0" lvl="0" marL="0" rtl="0" algn="l">
+                <a:spcBef>
+                  <a:spcPts val="0"/>
+                </a:spcBef>
+                <a:spcAft>
+                  <a:spcPts val="0"/>
+                </a:spcAft>
+                <a:buNone/>
+              </a:pPr>
+              <a:r>
+                <a:t/>
+              </a:r>
+              <a:endParaRPr/>
+            </a:p>
+          </p:txBody>
+        </p:sp>
+      </p:grpSp>
     </p:spTree>
   </p:cSld>
   <p:clrMapOvr>
@@ -14311,7 +14341,7 @@
     </p:bg>
     <p:spTree>
       <p:nvGrpSpPr>
-        <p:cNvPr id="255" name="Shape 255"/>
+        <p:cNvPr id="257" name="Shape 257"/>
         <p:cNvGrpSpPr/>
         <p:nvPr/>
       </p:nvGrpSpPr>
@@ -14325,7 +14355,7 @@
       </p:grpSpPr>
       <p:sp>
         <p:nvSpPr>
-          <p:cNvPr id="256" name="Google Shape;256;p36"/>
+          <p:cNvPr id="258" name="Google Shape;258;p36"/>
           <p:cNvSpPr txBox="1"/>
           <p:nvPr>
             <p:ph type="title"/>
@@ -14381,7 +14411,7 @@
       </p:sp>
       <p:sp>
         <p:nvSpPr>
-          <p:cNvPr id="257" name="Google Shape;257;p36"/>
+          <p:cNvPr id="259" name="Google Shape;259;p36"/>
           <p:cNvSpPr txBox="1"/>
           <p:nvPr>
             <p:ph idx="1" type="body"/>
@@ -14389,7 +14419,7 @@
         </p:nvSpPr>
         <p:spPr>
           <a:xfrm>
-            <a:off x="1303800" y="1322400"/>
+            <a:off x="1303800" y="1170000"/>
             <a:ext cx="7485000" cy="3821100"/>
           </a:xfrm>
           <a:prstGeom prst="rect">
@@ -14674,7 +14704,7 @@
     </p:bg>
     <p:spTree>
       <p:nvGrpSpPr>
-        <p:cNvPr id="261" name="Shape 261"/>
+        <p:cNvPr id="263" name="Shape 263"/>
         <p:cNvGrpSpPr/>
         <p:nvPr/>
       </p:nvGrpSpPr>
@@ -14688,7 +14718,7 @@
       </p:grpSpPr>
       <p:sp>
         <p:nvSpPr>
-          <p:cNvPr id="262" name="Google Shape;262;p37"/>
+          <p:cNvPr id="264" name="Google Shape;264;p37"/>
           <p:cNvSpPr txBox="1"/>
           <p:nvPr>
             <p:ph type="title"/>
@@ -14744,7 +14774,7 @@
       </p:sp>
       <p:sp>
         <p:nvSpPr>
-          <p:cNvPr id="263" name="Google Shape;263;p37"/>
+          <p:cNvPr id="265" name="Google Shape;265;p37"/>
           <p:cNvSpPr txBox="1"/>
           <p:nvPr>
             <p:ph idx="1" type="body"/>
@@ -14815,7 +14845,7 @@
       </p:sp>
       <p:pic>
         <p:nvPicPr>
-          <p:cNvPr id="264" name="Google Shape;264;p37"/>
+          <p:cNvPr id="266" name="Google Shape;266;p37"/>
           <p:cNvPicPr preferRelativeResize="0"/>
           <p:nvPr/>
         </p:nvPicPr>
@@ -14843,7 +14873,7 @@
       </p:pic>
       <p:sp>
         <p:nvSpPr>
-          <p:cNvPr id="265" name="Google Shape;265;p37"/>
+          <p:cNvPr id="267" name="Google Shape;267;p37"/>
           <p:cNvSpPr/>
           <p:nvPr/>
         </p:nvSpPr>
@@ -14913,7 +14943,7 @@
     </p:bg>
     <p:spTree>
       <p:nvGrpSpPr>
-        <p:cNvPr id="269" name="Shape 269"/>
+        <p:cNvPr id="271" name="Shape 271"/>
         <p:cNvGrpSpPr/>
         <p:nvPr/>
       </p:nvGrpSpPr>
@@ -14927,7 +14957,7 @@
       </p:grpSpPr>
       <p:sp>
         <p:nvSpPr>
-          <p:cNvPr id="270" name="Google Shape;270;p38"/>
+          <p:cNvPr id="272" name="Google Shape;272;p38"/>
           <p:cNvSpPr txBox="1"/>
           <p:nvPr>
             <p:ph type="title"/>
@@ -14983,7 +15013,7 @@
       </p:sp>
       <p:sp>
         <p:nvSpPr>
-          <p:cNvPr id="271" name="Google Shape;271;p38"/>
+          <p:cNvPr id="273" name="Google Shape;273;p38"/>
           <p:cNvSpPr txBox="1"/>
           <p:nvPr>
             <p:ph idx="1" type="body"/>
@@ -15033,7 +15063,7 @@
       </p:sp>
       <p:pic>
         <p:nvPicPr>
-          <p:cNvPr id="272" name="Google Shape;272;p38"/>
+          <p:cNvPr id="274" name="Google Shape;274;p38"/>
           <p:cNvPicPr preferRelativeResize="0"/>
           <p:nvPr/>
         </p:nvPicPr>
@@ -15047,7 +15077,7 @@
         </p:blipFill>
         <p:spPr>
           <a:xfrm>
-            <a:off x="1303800" y="1769975"/>
+            <a:off x="1303800" y="1693775"/>
             <a:ext cx="5850099" cy="3329275"/>
           </a:xfrm>
           <a:prstGeom prst="rect">
@@ -15084,7 +15114,7 @@
     </p:bg>
     <p:spTree>
       <p:nvGrpSpPr>
-        <p:cNvPr id="276" name="Shape 276"/>
+        <p:cNvPr id="278" name="Shape 278"/>
         <p:cNvGrpSpPr/>
         <p:nvPr/>
       </p:nvGrpSpPr>
@@ -15098,7 +15128,7 @@
       </p:grpSpPr>
       <p:sp>
         <p:nvSpPr>
-          <p:cNvPr id="277" name="Google Shape;277;p39"/>
+          <p:cNvPr id="279" name="Google Shape;279;p39"/>
           <p:cNvSpPr txBox="1"/>
           <p:nvPr>
             <p:ph type="title"/>
@@ -15154,7 +15184,7 @@
       </p:sp>
       <p:sp>
         <p:nvSpPr>
-          <p:cNvPr id="278" name="Google Shape;278;p39"/>
+          <p:cNvPr id="280" name="Google Shape;280;p39"/>
           <p:cNvSpPr txBox="1"/>
           <p:nvPr>
             <p:ph idx="1" type="body"/>
@@ -17279,6 +17309,285 @@
 </file>
 
 <file path=ppt/theme/theme1.xml><?xml version="1.0" encoding="utf-8"?>
+<a:theme xmlns:a="http://schemas.openxmlformats.org/drawingml/2006/main" xmlns:r="http://schemas.openxmlformats.org/officeDocument/2006/relationships">
+  <a:themeElements>
+    <a:clrScheme name="Default">
+      <a:dk1>
+        <a:srgbClr val="000000"/>
+      </a:dk1>
+      <a:lt1>
+        <a:srgbClr val="FFFFFF"/>
+      </a:lt1>
+      <a:dk2>
+        <a:srgbClr val="158158"/>
+      </a:dk2>
+      <a:lt2>
+        <a:srgbClr val="F3F3F3"/>
+      </a:lt2>
+      <a:accent1>
+        <a:srgbClr val="058DC7"/>
+      </a:accent1>
+      <a:accent2>
+        <a:srgbClr val="50B432"/>
+      </a:accent2>
+      <a:accent3>
+        <a:srgbClr val="ED561B"/>
+      </a:accent3>
+      <a:accent4>
+        <a:srgbClr val="EDEF00"/>
+      </a:accent4>
+      <a:accent5>
+        <a:srgbClr val="24CBE5"/>
+      </a:accent5>
+      <a:accent6>
+        <a:srgbClr val="64E572"/>
+      </a:accent6>
+      <a:hlink>
+        <a:srgbClr val="2200CC"/>
+      </a:hlink>
+      <a:folHlink>
+        <a:srgbClr val="551A8B"/>
+      </a:folHlink>
+    </a:clrScheme>
+    <a:fontScheme name="Office">
+      <a:majorFont>
+        <a:latin typeface="Arial"/>
+        <a:ea typeface=""/>
+        <a:cs typeface=""/>
+        <a:font script="Jpan" typeface="ＭＳ Ｐゴシック"/>
+        <a:font script="Hang" typeface="맑은 고딕"/>
+        <a:font script="Hans" typeface="宋体"/>
+        <a:font script="Hant" typeface="新細明體"/>
+        <a:font script="Arab" typeface="Times New Roman"/>
+        <a:font script="Hebr" typeface="Times New Roman"/>
+        <a:font script="Thai" typeface="Angsana New"/>
+        <a:font script="Ethi" typeface="Nyala"/>
+        <a:font script="Beng" typeface="Vrinda"/>
+        <a:font script="Gujr" typeface="Shruti"/>
+        <a:font script="Khmr" typeface="MoolBoran"/>
+        <a:font script="Knda" typeface="Tunga"/>
+        <a:font script="Guru" typeface="Raavi"/>
+        <a:font script="Cans" typeface="Euphemia"/>
+        <a:font script="Cher" typeface="Plantagenet Cherokee"/>
+        <a:font script="Yiii" typeface="Microsoft Yi Baiti"/>
+        <a:font script="Tibt" typeface="Microsoft Himalaya"/>
+        <a:font script="Thaa" typeface="MV Boli"/>
+        <a:font script="Deva" typeface="Mangal"/>
+        <a:font script="Telu" typeface="Gautami"/>
+        <a:font script="Taml" typeface="Latha"/>
+        <a:font script="Syrc" typeface="Estrangelo Edessa"/>
+        <a:font script="Orya" typeface="Kalinga"/>
+        <a:font script="Mlym" typeface="Kartika"/>
+        <a:font script="Laoo" typeface="DokChampa"/>
+        <a:font script="Sinh" typeface="Iskoola Pota"/>
+        <a:font script="Mong" typeface="Mongolian Baiti"/>
+        <a:font script="Viet" typeface="Times New Roman"/>
+        <a:font script="Uigh" typeface="Microsoft Uighur"/>
+        <a:font script="Geor" typeface="Sylfaen"/>
+      </a:majorFont>
+      <a:minorFont>
+        <a:latin typeface="Arial"/>
+        <a:ea typeface=""/>
+        <a:cs typeface=""/>
+        <a:font script="Jpan" typeface="ＭＳ Ｐゴシック"/>
+        <a:font script="Hang" typeface="맑은 고딕"/>
+        <a:font script="Hans" typeface="宋体"/>
+        <a:font script="Hant" typeface="新細明體"/>
+        <a:font script="Arab" typeface="Arial"/>
+        <a:font script="Hebr" typeface="Arial"/>
+        <a:font script="Thai" typeface="Cordia New"/>
+        <a:font script="Ethi" typeface="Nyala"/>
+        <a:font script="Beng" typeface="Vrinda"/>
+        <a:font script="Gujr" typeface="Shruti"/>
+        <a:font script="Khmr" typeface="DaunPenh"/>
+        <a:font script="Knda" typeface="Tunga"/>
+        <a:font script="Guru" typeface="Raavi"/>
+        <a:font script="Cans" typeface="Euphemia"/>
+        <a:font script="Cher" typeface="Plantagenet Cherokee"/>
+        <a:font script="Yiii" typeface="Microsoft Yi Baiti"/>
+        <a:font script="Tibt" typeface="Microsoft Himalaya"/>
+        <a:font script="Thaa" typeface="MV Boli"/>
+        <a:font script="Deva" typeface="Mangal"/>
+        <a:font script="Telu" typeface="Gautami"/>
+        <a:font script="Taml" typeface="Latha"/>
+        <a:font script="Syrc" typeface="Estrangelo Edessa"/>
+        <a:font script="Orya" typeface="Kalinga"/>
+        <a:font script="Mlym" typeface="Kartika"/>
+        <a:font script="Laoo" typeface="DokChampa"/>
+        <a:font script="Sinh" typeface="Iskoola Pota"/>
+        <a:font script="Mong" typeface="Mongolian Baiti"/>
+        <a:font script="Viet" typeface="Arial"/>
+        <a:font script="Uigh" typeface="Microsoft Uighur"/>
+        <a:font script="Geor" typeface="Sylfaen"/>
+      </a:minorFont>
+    </a:fontScheme>
+    <a:fmtScheme name="Office">
+      <a:fillStyleLst>
+        <a:solidFill>
+          <a:schemeClr val="phClr"/>
+        </a:solidFill>
+        <a:gradFill rotWithShape="1">
+          <a:gsLst>
+            <a:gs pos="0">
+              <a:schemeClr val="phClr">
+                <a:tint val="50000"/>
+                <a:satMod val="300000"/>
+              </a:schemeClr>
+            </a:gs>
+            <a:gs pos="35000">
+              <a:schemeClr val="phClr">
+                <a:tint val="37000"/>
+                <a:satMod val="300000"/>
+              </a:schemeClr>
+            </a:gs>
+            <a:gs pos="100000">
+              <a:schemeClr val="phClr">
+                <a:tint val="15000"/>
+                <a:satMod val="350000"/>
+              </a:schemeClr>
+            </a:gs>
+          </a:gsLst>
+          <a:lin ang="16200000" scaled="1"/>
+        </a:gradFill>
+        <a:gradFill rotWithShape="1">
+          <a:gsLst>
+            <a:gs pos="0">
+              <a:schemeClr val="phClr">
+                <a:tint val="100000"/>
+                <a:shade val="100000"/>
+                <a:satMod val="130000"/>
+              </a:schemeClr>
+            </a:gs>
+            <a:gs pos="100000">
+              <a:schemeClr val="phClr">
+                <a:tint val="50000"/>
+                <a:shade val="100000"/>
+                <a:satMod val="350000"/>
+              </a:schemeClr>
+            </a:gs>
+          </a:gsLst>
+          <a:lin ang="16200000" scaled="0"/>
+        </a:gradFill>
+      </a:fillStyleLst>
+      <a:lnStyleLst>
+        <a:ln w="9525" cap="flat" cmpd="sng" algn="ctr">
+          <a:solidFill>
+            <a:schemeClr val="phClr">
+              <a:shade val="95000"/>
+              <a:satMod val="105000"/>
+            </a:schemeClr>
+          </a:solidFill>
+          <a:prstDash val="solid"/>
+        </a:ln>
+        <a:ln w="25400" cap="flat" cmpd="sng" algn="ctr">
+          <a:solidFill>
+            <a:schemeClr val="phClr"/>
+          </a:solidFill>
+          <a:prstDash val="solid"/>
+        </a:ln>
+        <a:ln w="38100" cap="flat" cmpd="sng" algn="ctr">
+          <a:solidFill>
+            <a:schemeClr val="phClr"/>
+          </a:solidFill>
+          <a:prstDash val="solid"/>
+        </a:ln>
+      </a:lnStyleLst>
+      <a:effectStyleLst>
+        <a:effectStyle>
+          <a:effectLst>
+            <a:outerShdw blurRad="40000" dist="20000" dir="5400000" rotWithShape="0">
+              <a:srgbClr val="000000">
+                <a:alpha val="38000"/>
+              </a:srgbClr>
+            </a:outerShdw>
+          </a:effectLst>
+        </a:effectStyle>
+        <a:effectStyle>
+          <a:effectLst>
+            <a:outerShdw blurRad="40000" dist="23000" dir="5400000" rotWithShape="0">
+              <a:srgbClr val="000000">
+                <a:alpha val="35000"/>
+              </a:srgbClr>
+            </a:outerShdw>
+          </a:effectLst>
+        </a:effectStyle>
+        <a:effectStyle>
+          <a:effectLst>
+            <a:outerShdw blurRad="40000" dist="23000" dir="5400000" rotWithShape="0">
+              <a:srgbClr val="000000">
+                <a:alpha val="35000"/>
+              </a:srgbClr>
+            </a:outerShdw>
+          </a:effectLst>
+          <a:scene3d>
+            <a:camera prst="orthographicFront">
+              <a:rot lat="0" lon="0" rev="0"/>
+            </a:camera>
+            <a:lightRig rig="threePt" dir="t">
+              <a:rot lat="0" lon="0" rev="1200000"/>
+            </a:lightRig>
+          </a:scene3d>
+          <a:sp3d>
+            <a:bevelT w="63500" h="25400"/>
+          </a:sp3d>
+        </a:effectStyle>
+      </a:effectStyleLst>
+      <a:bgFillStyleLst>
+        <a:solidFill>
+          <a:schemeClr val="phClr"/>
+        </a:solidFill>
+        <a:gradFill rotWithShape="1">
+          <a:gsLst>
+            <a:gs pos="0">
+              <a:schemeClr val="phClr">
+                <a:tint val="40000"/>
+                <a:satMod val="350000"/>
+              </a:schemeClr>
+            </a:gs>
+            <a:gs pos="40000">
+              <a:schemeClr val="phClr">
+                <a:tint val="45000"/>
+                <a:shade val="99000"/>
+                <a:satMod val="350000"/>
+              </a:schemeClr>
+            </a:gs>
+            <a:gs pos="100000">
+              <a:schemeClr val="phClr">
+                <a:shade val="20000"/>
+                <a:satMod val="255000"/>
+              </a:schemeClr>
+            </a:gs>
+          </a:gsLst>
+          <a:path path="circle">
+            <a:fillToRect l="50000" t="-80000" r="50000" b="180000"/>
+          </a:path>
+        </a:gradFill>
+        <a:gradFill rotWithShape="1">
+          <a:gsLst>
+            <a:gs pos="0">
+              <a:schemeClr val="phClr">
+                <a:tint val="80000"/>
+                <a:satMod val="300000"/>
+              </a:schemeClr>
+            </a:gs>
+            <a:gs pos="100000">
+              <a:schemeClr val="phClr">
+                <a:shade val="30000"/>
+                <a:satMod val="200000"/>
+              </a:schemeClr>
+            </a:gs>
+          </a:gsLst>
+          <a:path path="circle">
+            <a:fillToRect l="50000" t="50000" r="50000" b="50000"/>
+          </a:path>
+        </a:gradFill>
+      </a:bgFillStyleLst>
+    </a:fmtScheme>
+  </a:themeElements>
+</a:theme>
+</file>
+
+<file path=ppt/theme/theme2.xml><?xml version="1.0" encoding="utf-8"?>
 <a:theme xmlns:a="http://schemas.openxmlformats.org/drawingml/2006/main" xmlns:r="http://schemas.openxmlformats.org/officeDocument/2006/relationships" name="Simple Light">
   <a:themeElements>
     <a:clrScheme name="Simple Light">
@@ -17555,283 +17864,4 @@
     </a:fmtScheme>
   </a:themeElements>
 </a:theme>
-</file>
-
-<file path=ppt/theme/theme2.xml><?xml version="1.0" encoding="utf-8"?>
-<a:theme xmlns:a="http://schemas.openxmlformats.org/drawingml/2006/main" xmlns:r="http://schemas.openxmlformats.org/officeDocument/2006/relationships">
-  <a:themeElements>
-    <a:clrScheme name="Default">
-      <a:dk1>
-        <a:srgbClr val="000000"/>
-      </a:dk1>
-      <a:lt1>
-        <a:srgbClr val="FFFFFF"/>
-      </a:lt1>
-      <a:dk2>
-        <a:srgbClr val="158158"/>
-      </a:dk2>
-      <a:lt2>
-        <a:srgbClr val="F3F3F3"/>
-      </a:lt2>
-      <a:accent1>
-        <a:srgbClr val="058DC7"/>
-      </a:accent1>
-      <a:accent2>
-        <a:srgbClr val="50B432"/>
-      </a:accent2>
-      <a:accent3>
-        <a:srgbClr val="ED561B"/>
-      </a:accent3>
-      <a:accent4>
-        <a:srgbClr val="EDEF00"/>
-      </a:accent4>
-      <a:accent5>
-        <a:srgbClr val="24CBE5"/>
-      </a:accent5>
-      <a:accent6>
-        <a:srgbClr val="64E572"/>
-      </a:accent6>
-      <a:hlink>
-        <a:srgbClr val="2200CC"/>
-      </a:hlink>
-      <a:folHlink>
-        <a:srgbClr val="551A8B"/>
-      </a:folHlink>
-    </a:clrScheme>
-    <a:fontScheme name="Office">
-      <a:majorFont>
-        <a:latin typeface="Arial"/>
-        <a:ea typeface=""/>
-        <a:cs typeface=""/>
-        <a:font script="Jpan" typeface="ＭＳ Ｐゴシック"/>
-        <a:font script="Hang" typeface="맑은 고딕"/>
-        <a:font script="Hans" typeface="宋体"/>
-        <a:font script="Hant" typeface="新細明體"/>
-        <a:font script="Arab" typeface="Times New Roman"/>
-        <a:font script="Hebr" typeface="Times New Roman"/>
-        <a:font script="Thai" typeface="Angsana New"/>
-        <a:font script="Ethi" typeface="Nyala"/>
-        <a:font script="Beng" typeface="Vrinda"/>
-        <a:font script="Gujr" typeface="Shruti"/>
-        <a:font script="Khmr" typeface="MoolBoran"/>
-        <a:font script="Knda" typeface="Tunga"/>
-        <a:font script="Guru" typeface="Raavi"/>
-        <a:font script="Cans" typeface="Euphemia"/>
-        <a:font script="Cher" typeface="Plantagenet Cherokee"/>
-        <a:font script="Yiii" typeface="Microsoft Yi Baiti"/>
-        <a:font script="Tibt" typeface="Microsoft Himalaya"/>
-        <a:font script="Thaa" typeface="MV Boli"/>
-        <a:font script="Deva" typeface="Mangal"/>
-        <a:font script="Telu" typeface="Gautami"/>
-        <a:font script="Taml" typeface="Latha"/>
-        <a:font script="Syrc" typeface="Estrangelo Edessa"/>
-        <a:font script="Orya" typeface="Kalinga"/>
-        <a:font script="Mlym" typeface="Kartika"/>
-        <a:font script="Laoo" typeface="DokChampa"/>
-        <a:font script="Sinh" typeface="Iskoola Pota"/>
-        <a:font script="Mong" typeface="Mongolian Baiti"/>
-        <a:font script="Viet" typeface="Times New Roman"/>
-        <a:font script="Uigh" typeface="Microsoft Uighur"/>
-        <a:font script="Geor" typeface="Sylfaen"/>
-      </a:majorFont>
-      <a:minorFont>
-        <a:latin typeface="Arial"/>
-        <a:ea typeface=""/>
-        <a:cs typeface=""/>
-        <a:font script="Jpan" typeface="ＭＳ Ｐゴシック"/>
-        <a:font script="Hang" typeface="맑은 고딕"/>
-        <a:font script="Hans" typeface="宋体"/>
-        <a:font script="Hant" typeface="新細明體"/>
-        <a:font script="Arab" typeface="Arial"/>
-        <a:font script="Hebr" typeface="Arial"/>
-        <a:font script="Thai" typeface="Cordia New"/>
-        <a:font script="Ethi" typeface="Nyala"/>
-        <a:font script="Beng" typeface="Vrinda"/>
-        <a:font script="Gujr" typeface="Shruti"/>
-        <a:font script="Khmr" typeface="DaunPenh"/>
-        <a:font script="Knda" typeface="Tunga"/>
-        <a:font script="Guru" typeface="Raavi"/>
-        <a:font script="Cans" typeface="Euphemia"/>
-        <a:font script="Cher" typeface="Plantagenet Cherokee"/>
-        <a:font script="Yiii" typeface="Microsoft Yi Baiti"/>
-        <a:font script="Tibt" typeface="Microsoft Himalaya"/>
-        <a:font script="Thaa" typeface="MV Boli"/>
-        <a:font script="Deva" typeface="Mangal"/>
-        <a:font script="Telu" typeface="Gautami"/>
-        <a:font script="Taml" typeface="Latha"/>
-        <a:font script="Syrc" typeface="Estrangelo Edessa"/>
-        <a:font script="Orya" typeface="Kalinga"/>
-        <a:font script="Mlym" typeface="Kartika"/>
-        <a:font script="Laoo" typeface="DokChampa"/>
-        <a:font script="Sinh" typeface="Iskoola Pota"/>
-        <a:font script="Mong" typeface="Mongolian Baiti"/>
-        <a:font script="Viet" typeface="Arial"/>
-        <a:font script="Uigh" typeface="Microsoft Uighur"/>
-        <a:font script="Geor" typeface="Sylfaen"/>
-      </a:minorFont>
-    </a:fontScheme>
-    <a:fmtScheme name="Office">
-      <a:fillStyleLst>
-        <a:solidFill>
-          <a:schemeClr val="phClr"/>
-        </a:solidFill>
-        <a:gradFill rotWithShape="1">
-          <a:gsLst>
-            <a:gs pos="0">
-              <a:schemeClr val="phClr">
-                <a:tint val="50000"/>
-                <a:satMod val="300000"/>
-              </a:schemeClr>
-            </a:gs>
-            <a:gs pos="35000">
-              <a:schemeClr val="phClr">
-                <a:tint val="37000"/>
-                <a:satMod val="300000"/>
-              </a:schemeClr>
-            </a:gs>
-            <a:gs pos="100000">
-              <a:schemeClr val="phClr">
-                <a:tint val="15000"/>
-                <a:satMod val="350000"/>
-              </a:schemeClr>
-            </a:gs>
-          </a:gsLst>
-          <a:lin ang="16200000" scaled="1"/>
-        </a:gradFill>
-        <a:gradFill rotWithShape="1">
-          <a:gsLst>
-            <a:gs pos="0">
-              <a:schemeClr val="phClr">
-                <a:tint val="100000"/>
-                <a:shade val="100000"/>
-                <a:satMod val="130000"/>
-              </a:schemeClr>
-            </a:gs>
-            <a:gs pos="100000">
-              <a:schemeClr val="phClr">
-                <a:tint val="50000"/>
-                <a:shade val="100000"/>
-                <a:satMod val="350000"/>
-              </a:schemeClr>
-            </a:gs>
-          </a:gsLst>
-          <a:lin ang="16200000" scaled="0"/>
-        </a:gradFill>
-      </a:fillStyleLst>
-      <a:lnStyleLst>
-        <a:ln w="9525" cap="flat" cmpd="sng" algn="ctr">
-          <a:solidFill>
-            <a:schemeClr val="phClr">
-              <a:shade val="95000"/>
-              <a:satMod val="105000"/>
-            </a:schemeClr>
-          </a:solidFill>
-          <a:prstDash val="solid"/>
-        </a:ln>
-        <a:ln w="25400" cap="flat" cmpd="sng" algn="ctr">
-          <a:solidFill>
-            <a:schemeClr val="phClr"/>
-          </a:solidFill>
-          <a:prstDash val="solid"/>
-        </a:ln>
-        <a:ln w="38100" cap="flat" cmpd="sng" algn="ctr">
-          <a:solidFill>
-            <a:schemeClr val="phClr"/>
-          </a:solidFill>
-          <a:prstDash val="solid"/>
-        </a:ln>
-      </a:lnStyleLst>
-      <a:effectStyleLst>
-        <a:effectStyle>
-          <a:effectLst>
-            <a:outerShdw blurRad="40000" dist="20000" dir="5400000" rotWithShape="0">
-              <a:srgbClr val="000000">
-                <a:alpha val="38000"/>
-              </a:srgbClr>
-            </a:outerShdw>
-          </a:effectLst>
-        </a:effectStyle>
-        <a:effectStyle>
-          <a:effectLst>
-            <a:outerShdw blurRad="40000" dist="23000" dir="5400000" rotWithShape="0">
-              <a:srgbClr val="000000">
-                <a:alpha val="35000"/>
-              </a:srgbClr>
-            </a:outerShdw>
-          </a:effectLst>
-        </a:effectStyle>
-        <a:effectStyle>
-          <a:effectLst>
-            <a:outerShdw blurRad="40000" dist="23000" dir="5400000" rotWithShape="0">
-              <a:srgbClr val="000000">
-                <a:alpha val="35000"/>
-              </a:srgbClr>
-            </a:outerShdw>
-          </a:effectLst>
-          <a:scene3d>
-            <a:camera prst="orthographicFront">
-              <a:rot lat="0" lon="0" rev="0"/>
-            </a:camera>
-            <a:lightRig rig="threePt" dir="t">
-              <a:rot lat="0" lon="0" rev="1200000"/>
-            </a:lightRig>
-          </a:scene3d>
-          <a:sp3d>
-            <a:bevelT w="63500" h="25400"/>
-          </a:sp3d>
-        </a:effectStyle>
-      </a:effectStyleLst>
-      <a:bgFillStyleLst>
-        <a:solidFill>
-          <a:schemeClr val="phClr"/>
-        </a:solidFill>
-        <a:gradFill rotWithShape="1">
-          <a:gsLst>
-            <a:gs pos="0">
-              <a:schemeClr val="phClr">
-                <a:tint val="40000"/>
-                <a:satMod val="350000"/>
-              </a:schemeClr>
-            </a:gs>
-            <a:gs pos="40000">
-              <a:schemeClr val="phClr">
-                <a:tint val="45000"/>
-                <a:shade val="99000"/>
-                <a:satMod val="350000"/>
-              </a:schemeClr>
-            </a:gs>
-            <a:gs pos="100000">
-              <a:schemeClr val="phClr">
-                <a:shade val="20000"/>
-                <a:satMod val="255000"/>
-              </a:schemeClr>
-            </a:gs>
-          </a:gsLst>
-          <a:path path="circle">
-            <a:fillToRect l="50000" t="-80000" r="50000" b="180000"/>
-          </a:path>
-        </a:gradFill>
-        <a:gradFill rotWithShape="1">
-          <a:gsLst>
-            <a:gs pos="0">
-              <a:schemeClr val="phClr">
-                <a:tint val="80000"/>
-                <a:satMod val="300000"/>
-              </a:schemeClr>
-            </a:gs>
-            <a:gs pos="100000">
-              <a:schemeClr val="phClr">
-                <a:shade val="30000"/>
-                <a:satMod val="200000"/>
-              </a:schemeClr>
-            </a:gs>
-          </a:gsLst>
-          <a:path path="circle">
-            <a:fillToRect l="50000" t="50000" r="50000" b="50000"/>
-          </a:path>
-        </a:gradFill>
-      </a:bgFillStyleLst>
-    </a:fmtScheme>
-  </a:themeElements>
-</a:theme>
 </file>